--- a/analysis/validation/q and a_latest.pptx
+++ b/analysis/validation/q and a_latest.pptx
@@ -277,7 +277,7 @@
           <a:p>
             <a:fld id="{A3E7C128-845B-114D-90A3-93ECE1570FA4}" type="datetimeFigureOut">
               <a:rPr lang="en-US" smtClean="0"/>
-              <a:t>10/27/20</a:t>
+              <a:t>10/28/20</a:t>
             </a:fld>
             <a:endParaRPr lang="en-US"/>
           </a:p>
@@ -475,7 +475,7 @@
           <a:p>
             <a:fld id="{A3E7C128-845B-114D-90A3-93ECE1570FA4}" type="datetimeFigureOut">
               <a:rPr lang="en-US" smtClean="0"/>
-              <a:t>10/27/20</a:t>
+              <a:t>10/28/20</a:t>
             </a:fld>
             <a:endParaRPr lang="en-US"/>
           </a:p>
@@ -683,7 +683,7 @@
           <a:p>
             <a:fld id="{A3E7C128-845B-114D-90A3-93ECE1570FA4}" type="datetimeFigureOut">
               <a:rPr lang="en-US" smtClean="0"/>
-              <a:t>10/27/20</a:t>
+              <a:t>10/28/20</a:t>
             </a:fld>
             <a:endParaRPr lang="en-US"/>
           </a:p>
@@ -881,7 +881,7 @@
           <a:p>
             <a:fld id="{A3E7C128-845B-114D-90A3-93ECE1570FA4}" type="datetimeFigureOut">
               <a:rPr lang="en-US" smtClean="0"/>
-              <a:t>10/27/20</a:t>
+              <a:t>10/28/20</a:t>
             </a:fld>
             <a:endParaRPr lang="en-US"/>
           </a:p>
@@ -1156,7 +1156,7 @@
           <a:p>
             <a:fld id="{A3E7C128-845B-114D-90A3-93ECE1570FA4}" type="datetimeFigureOut">
               <a:rPr lang="en-US" smtClean="0"/>
-              <a:t>10/27/20</a:t>
+              <a:t>10/28/20</a:t>
             </a:fld>
             <a:endParaRPr lang="en-US"/>
           </a:p>
@@ -1421,7 +1421,7 @@
           <a:p>
             <a:fld id="{A3E7C128-845B-114D-90A3-93ECE1570FA4}" type="datetimeFigureOut">
               <a:rPr lang="en-US" smtClean="0"/>
-              <a:t>10/27/20</a:t>
+              <a:t>10/28/20</a:t>
             </a:fld>
             <a:endParaRPr lang="en-US"/>
           </a:p>
@@ -1833,7 +1833,7 @@
           <a:p>
             <a:fld id="{A3E7C128-845B-114D-90A3-93ECE1570FA4}" type="datetimeFigureOut">
               <a:rPr lang="en-US" smtClean="0"/>
-              <a:t>10/27/20</a:t>
+              <a:t>10/28/20</a:t>
             </a:fld>
             <a:endParaRPr lang="en-US"/>
           </a:p>
@@ -1974,7 +1974,7 @@
           <a:p>
             <a:fld id="{A3E7C128-845B-114D-90A3-93ECE1570FA4}" type="datetimeFigureOut">
               <a:rPr lang="en-US" smtClean="0"/>
-              <a:t>10/27/20</a:t>
+              <a:t>10/28/20</a:t>
             </a:fld>
             <a:endParaRPr lang="en-US"/>
           </a:p>
@@ -2087,7 +2087,7 @@
           <a:p>
             <a:fld id="{A3E7C128-845B-114D-90A3-93ECE1570FA4}" type="datetimeFigureOut">
               <a:rPr lang="en-US" smtClean="0"/>
-              <a:t>10/27/20</a:t>
+              <a:t>10/28/20</a:t>
             </a:fld>
             <a:endParaRPr lang="en-US"/>
           </a:p>
@@ -2398,7 +2398,7 @@
           <a:p>
             <a:fld id="{A3E7C128-845B-114D-90A3-93ECE1570FA4}" type="datetimeFigureOut">
               <a:rPr lang="en-US" smtClean="0"/>
-              <a:t>10/27/20</a:t>
+              <a:t>10/28/20</a:t>
             </a:fld>
             <a:endParaRPr lang="en-US"/>
           </a:p>
@@ -2686,7 +2686,7 @@
           <a:p>
             <a:fld id="{A3E7C128-845B-114D-90A3-93ECE1570FA4}" type="datetimeFigureOut">
               <a:rPr lang="en-US" smtClean="0"/>
-              <a:t>10/27/20</a:t>
+              <a:t>10/28/20</a:t>
             </a:fld>
             <a:endParaRPr lang="en-US"/>
           </a:p>
@@ -2927,7 +2927,7 @@
           <a:p>
             <a:fld id="{A3E7C128-845B-114D-90A3-93ECE1570FA4}" type="datetimeFigureOut">
               <a:rPr lang="en-US" smtClean="0"/>
-              <a:t>10/27/20</a:t>
+              <a:t>10/28/20</a:t>
             </a:fld>
             <a:endParaRPr lang="en-US"/>
           </a:p>
@@ -10068,7 +10068,7 @@
         <p:spPr>
           <a:xfrm>
             <a:off x="5402317" y="1825625"/>
-            <a:ext cx="6600497" cy="4278094"/>
+            <a:ext cx="6600497" cy="4524315"/>
           </a:xfrm>
           <a:prstGeom prst="rect">
             <a:avLst/>
@@ -10146,7 +10146,7 @@
             <a:pPr lvl="1"/>
             <a:r>
               <a:rPr lang="en-US" sz="1600" dirty="0"/>
-              <a:t>overall decreasing trend</a:t>
+              <a:t>overall decreasing trend (1197 / 4170)</a:t>
             </a:r>
           </a:p>
           <a:p>
@@ -10177,6 +10177,16 @@
             <a:r>
               <a:rPr lang="en-US" sz="1600" dirty="0"/>
               <a:t>(determined by a t-test with p-value &gt;= 0.62)</a:t>
+            </a:r>
+          </a:p>
+          <a:p>
+            <a:pPr marL="1200150" lvl="2" indent="-285750">
+              <a:buFont typeface="Arial" panose="020B0604020202020204" pitchFamily="34" charset="0"/>
+              <a:buChar char="•"/>
+            </a:pPr>
+            <a:r>
+              <a:rPr lang="en-US" sz="1600" dirty="0"/>
+              <a:t>(2973 / 4170)</a:t>
             </a:r>
           </a:p>
           <a:p>
